--- a/演示文稿1.pptx
+++ b/演示文稿1.pptx
@@ -104,6 +104,11 @@
       </a:defRPr>
     </a:lvl9pPr>
   </p:defaultTextStyle>
+  <p:extLst>
+    <p:ext uri="{EFAFB233-063F-42B5-8137-9DF3F51BA10A}">
+      <p15:sldGuideLst xmlns:p15="http://schemas.microsoft.com/office/powerpoint/2012/main"/>
+    </p:ext>
+  </p:extLst>
 </p:presentation>
 </file>
 
@@ -238,7 +243,7 @@
           <a:p>
             <a:fld id="{3061FC46-4A4A-054B-8F30-7B28FA2F0C74}" type="datetimeFigureOut">
               <a:rPr kumimoji="1" lang="zh-CN" altLang="en-US" smtClean="0"/>
-              <a:t>16/2/18</a:t>
+              <a:t>16/2/29</a:t>
             </a:fld>
             <a:endParaRPr kumimoji="1" lang="zh-CN" altLang="en-US"/>
           </a:p>
@@ -408,7 +413,7 @@
           <a:p>
             <a:fld id="{3061FC46-4A4A-054B-8F30-7B28FA2F0C74}" type="datetimeFigureOut">
               <a:rPr kumimoji="1" lang="zh-CN" altLang="en-US" smtClean="0"/>
-              <a:t>16/2/18</a:t>
+              <a:t>16/2/29</a:t>
             </a:fld>
             <a:endParaRPr kumimoji="1" lang="zh-CN" altLang="en-US"/>
           </a:p>
@@ -588,7 +593,7 @@
           <a:p>
             <a:fld id="{3061FC46-4A4A-054B-8F30-7B28FA2F0C74}" type="datetimeFigureOut">
               <a:rPr kumimoji="1" lang="zh-CN" altLang="en-US" smtClean="0"/>
-              <a:t>16/2/18</a:t>
+              <a:t>16/2/29</a:t>
             </a:fld>
             <a:endParaRPr kumimoji="1" lang="zh-CN" altLang="en-US"/>
           </a:p>
@@ -758,7 +763,7 @@
           <a:p>
             <a:fld id="{3061FC46-4A4A-054B-8F30-7B28FA2F0C74}" type="datetimeFigureOut">
               <a:rPr kumimoji="1" lang="zh-CN" altLang="en-US" smtClean="0"/>
-              <a:t>16/2/18</a:t>
+              <a:t>16/2/29</a:t>
             </a:fld>
             <a:endParaRPr kumimoji="1" lang="zh-CN" altLang="en-US"/>
           </a:p>
@@ -1004,7 +1009,7 @@
           <a:p>
             <a:fld id="{3061FC46-4A4A-054B-8F30-7B28FA2F0C74}" type="datetimeFigureOut">
               <a:rPr kumimoji="1" lang="zh-CN" altLang="en-US" smtClean="0"/>
-              <a:t>16/2/18</a:t>
+              <a:t>16/2/29</a:t>
             </a:fld>
             <a:endParaRPr kumimoji="1" lang="zh-CN" altLang="en-US"/>
           </a:p>
@@ -1236,7 +1241,7 @@
           <a:p>
             <a:fld id="{3061FC46-4A4A-054B-8F30-7B28FA2F0C74}" type="datetimeFigureOut">
               <a:rPr kumimoji="1" lang="zh-CN" altLang="en-US" smtClean="0"/>
-              <a:t>16/2/18</a:t>
+              <a:t>16/2/29</a:t>
             </a:fld>
             <a:endParaRPr kumimoji="1" lang="zh-CN" altLang="en-US"/>
           </a:p>
@@ -1603,7 +1608,7 @@
           <a:p>
             <a:fld id="{3061FC46-4A4A-054B-8F30-7B28FA2F0C74}" type="datetimeFigureOut">
               <a:rPr kumimoji="1" lang="zh-CN" altLang="en-US" smtClean="0"/>
-              <a:t>16/2/18</a:t>
+              <a:t>16/2/29</a:t>
             </a:fld>
             <a:endParaRPr kumimoji="1" lang="zh-CN" altLang="en-US"/>
           </a:p>
@@ -1721,7 +1726,7 @@
           <a:p>
             <a:fld id="{3061FC46-4A4A-054B-8F30-7B28FA2F0C74}" type="datetimeFigureOut">
               <a:rPr kumimoji="1" lang="zh-CN" altLang="en-US" smtClean="0"/>
-              <a:t>16/2/18</a:t>
+              <a:t>16/2/29</a:t>
             </a:fld>
             <a:endParaRPr kumimoji="1" lang="zh-CN" altLang="en-US"/>
           </a:p>
@@ -1816,7 +1821,7 @@
           <a:p>
             <a:fld id="{3061FC46-4A4A-054B-8F30-7B28FA2F0C74}" type="datetimeFigureOut">
               <a:rPr kumimoji="1" lang="zh-CN" altLang="en-US" smtClean="0"/>
-              <a:t>16/2/18</a:t>
+              <a:t>16/2/29</a:t>
             </a:fld>
             <a:endParaRPr kumimoji="1" lang="zh-CN" altLang="en-US"/>
           </a:p>
@@ -2093,7 +2098,7 @@
           <a:p>
             <a:fld id="{3061FC46-4A4A-054B-8F30-7B28FA2F0C74}" type="datetimeFigureOut">
               <a:rPr kumimoji="1" lang="zh-CN" altLang="en-US" smtClean="0"/>
-              <a:t>16/2/18</a:t>
+              <a:t>16/2/29</a:t>
             </a:fld>
             <a:endParaRPr kumimoji="1" lang="zh-CN" altLang="en-US"/>
           </a:p>
@@ -2346,7 +2351,7 @@
           <a:p>
             <a:fld id="{3061FC46-4A4A-054B-8F30-7B28FA2F0C74}" type="datetimeFigureOut">
               <a:rPr kumimoji="1" lang="zh-CN" altLang="en-US" smtClean="0"/>
-              <a:t>16/2/18</a:t>
+              <a:t>16/2/29</a:t>
             </a:fld>
             <a:endParaRPr kumimoji="1" lang="zh-CN" altLang="en-US"/>
           </a:p>
@@ -2559,7 +2564,7 @@
           <a:p>
             <a:fld id="{3061FC46-4A4A-054B-8F30-7B28FA2F0C74}" type="datetimeFigureOut">
               <a:rPr kumimoji="1" lang="zh-CN" altLang="en-US" smtClean="0"/>
-              <a:t>16/2/18</a:t>
+              <a:t>16/2/29</a:t>
             </a:fld>
             <a:endParaRPr kumimoji="1" lang="zh-CN" altLang="en-US"/>
           </a:p>
@@ -3019,10 +3024,10 @@
               <a:t> </a:t>
             </a:r>
             <a:r>
-              <a:rPr kumimoji="1" lang="en-US" altLang="zh-CN" smtClean="0"/>
+              <a:rPr kumimoji="1" lang="en-US" altLang="zh-CN" dirty="0" smtClean="0"/>
               <a:t>world</a:t>
             </a:r>
-            <a:endParaRPr kumimoji="1" lang="zh-CN" altLang="en-US"/>
+            <a:endParaRPr kumimoji="1" lang="zh-CN" altLang="en-US" dirty="0"/>
           </a:p>
         </p:txBody>
       </p:sp>

--- a/演示文稿1.pptx
+++ b/演示文稿1.pptx
@@ -243,7 +243,7 @@
           <a:p>
             <a:fld id="{3061FC46-4A4A-054B-8F30-7B28FA2F0C74}" type="datetimeFigureOut">
               <a:rPr kumimoji="1" lang="zh-CN" altLang="en-US" smtClean="0"/>
-              <a:t>16/2/29</a:t>
+              <a:t>16/3/28</a:t>
             </a:fld>
             <a:endParaRPr kumimoji="1" lang="zh-CN" altLang="en-US"/>
           </a:p>
@@ -413,7 +413,7 @@
           <a:p>
             <a:fld id="{3061FC46-4A4A-054B-8F30-7B28FA2F0C74}" type="datetimeFigureOut">
               <a:rPr kumimoji="1" lang="zh-CN" altLang="en-US" smtClean="0"/>
-              <a:t>16/2/29</a:t>
+              <a:t>16/3/28</a:t>
             </a:fld>
             <a:endParaRPr kumimoji="1" lang="zh-CN" altLang="en-US"/>
           </a:p>
@@ -593,7 +593,7 @@
           <a:p>
             <a:fld id="{3061FC46-4A4A-054B-8F30-7B28FA2F0C74}" type="datetimeFigureOut">
               <a:rPr kumimoji="1" lang="zh-CN" altLang="en-US" smtClean="0"/>
-              <a:t>16/2/29</a:t>
+              <a:t>16/3/28</a:t>
             </a:fld>
             <a:endParaRPr kumimoji="1" lang="zh-CN" altLang="en-US"/>
           </a:p>
@@ -763,7 +763,7 @@
           <a:p>
             <a:fld id="{3061FC46-4A4A-054B-8F30-7B28FA2F0C74}" type="datetimeFigureOut">
               <a:rPr kumimoji="1" lang="zh-CN" altLang="en-US" smtClean="0"/>
-              <a:t>16/2/29</a:t>
+              <a:t>16/3/28</a:t>
             </a:fld>
             <a:endParaRPr kumimoji="1" lang="zh-CN" altLang="en-US"/>
           </a:p>
@@ -1009,7 +1009,7 @@
           <a:p>
             <a:fld id="{3061FC46-4A4A-054B-8F30-7B28FA2F0C74}" type="datetimeFigureOut">
               <a:rPr kumimoji="1" lang="zh-CN" altLang="en-US" smtClean="0"/>
-              <a:t>16/2/29</a:t>
+              <a:t>16/3/28</a:t>
             </a:fld>
             <a:endParaRPr kumimoji="1" lang="zh-CN" altLang="en-US"/>
           </a:p>
@@ -1241,7 +1241,7 @@
           <a:p>
             <a:fld id="{3061FC46-4A4A-054B-8F30-7B28FA2F0C74}" type="datetimeFigureOut">
               <a:rPr kumimoji="1" lang="zh-CN" altLang="en-US" smtClean="0"/>
-              <a:t>16/2/29</a:t>
+              <a:t>16/3/28</a:t>
             </a:fld>
             <a:endParaRPr kumimoji="1" lang="zh-CN" altLang="en-US"/>
           </a:p>
@@ -1608,7 +1608,7 @@
           <a:p>
             <a:fld id="{3061FC46-4A4A-054B-8F30-7B28FA2F0C74}" type="datetimeFigureOut">
               <a:rPr kumimoji="1" lang="zh-CN" altLang="en-US" smtClean="0"/>
-              <a:t>16/2/29</a:t>
+              <a:t>16/3/28</a:t>
             </a:fld>
             <a:endParaRPr kumimoji="1" lang="zh-CN" altLang="en-US"/>
           </a:p>
@@ -1726,7 +1726,7 @@
           <a:p>
             <a:fld id="{3061FC46-4A4A-054B-8F30-7B28FA2F0C74}" type="datetimeFigureOut">
               <a:rPr kumimoji="1" lang="zh-CN" altLang="en-US" smtClean="0"/>
-              <a:t>16/2/29</a:t>
+              <a:t>16/3/28</a:t>
             </a:fld>
             <a:endParaRPr kumimoji="1" lang="zh-CN" altLang="en-US"/>
           </a:p>
@@ -1821,7 +1821,7 @@
           <a:p>
             <a:fld id="{3061FC46-4A4A-054B-8F30-7B28FA2F0C74}" type="datetimeFigureOut">
               <a:rPr kumimoji="1" lang="zh-CN" altLang="en-US" smtClean="0"/>
-              <a:t>16/2/29</a:t>
+              <a:t>16/3/28</a:t>
             </a:fld>
             <a:endParaRPr kumimoji="1" lang="zh-CN" altLang="en-US"/>
           </a:p>
@@ -2098,7 +2098,7 @@
           <a:p>
             <a:fld id="{3061FC46-4A4A-054B-8F30-7B28FA2F0C74}" type="datetimeFigureOut">
               <a:rPr kumimoji="1" lang="zh-CN" altLang="en-US" smtClean="0"/>
-              <a:t>16/2/29</a:t>
+              <a:t>16/3/28</a:t>
             </a:fld>
             <a:endParaRPr kumimoji="1" lang="zh-CN" altLang="en-US"/>
           </a:p>
@@ -2351,7 +2351,7 @@
           <a:p>
             <a:fld id="{3061FC46-4A4A-054B-8F30-7B28FA2F0C74}" type="datetimeFigureOut">
               <a:rPr kumimoji="1" lang="zh-CN" altLang="en-US" smtClean="0"/>
-              <a:t>16/2/29</a:t>
+              <a:t>16/3/28</a:t>
             </a:fld>
             <a:endParaRPr kumimoji="1" lang="zh-CN" altLang="en-US"/>
           </a:p>
@@ -2564,7 +2564,7 @@
           <a:p>
             <a:fld id="{3061FC46-4A4A-054B-8F30-7B28FA2F0C74}" type="datetimeFigureOut">
               <a:rPr kumimoji="1" lang="zh-CN" altLang="en-US" smtClean="0"/>
-              <a:t>16/2/29</a:t>
+              <a:t>16/3/28</a:t>
             </a:fld>
             <a:endParaRPr kumimoji="1" lang="zh-CN" altLang="en-US"/>
           </a:p>
@@ -2985,16 +2985,16 @@
           <a:lstStyle/>
           <a:p>
             <a:r>
-              <a:rPr kumimoji="1" lang="en-US" altLang="zh-CN" dirty="0" smtClean="0"/>
+              <a:rPr kumimoji="1" lang="en-US" altLang="zh-CN" smtClean="0"/>
               <a:t>Hello</a:t>
             </a:r>
             <a:r>
-              <a:rPr kumimoji="1" lang="zh-CN" altLang="en-US" dirty="0" smtClean="0"/>
+              <a:rPr kumimoji="1" lang="zh-CN" altLang="en-US" smtClean="0"/>
               <a:t> </a:t>
             </a:r>
             <a:r>
-              <a:rPr kumimoji="1" lang="en-US" altLang="zh-CN" dirty="0" smtClean="0"/>
-              <a:t>world</a:t>
+              <a:rPr kumimoji="1" lang="en-US" altLang="zh-CN" smtClean="0"/>
+              <a:t>worldadfa</a:t>
             </a:r>
             <a:endParaRPr kumimoji="1" lang="zh-CN" altLang="en-US" dirty="0"/>
           </a:p>
@@ -3041,6 +3041,13 @@
   <p:clrMapOvr>
     <a:masterClrMapping/>
   </p:clrMapOvr>
+  <p:timing>
+    <p:tnLst>
+      <p:par>
+        <p:cTn id="1" dur="indefinite" restart="never" nodeType="tmRoot"/>
+      </p:par>
+    </p:tnLst>
+  </p:timing>
 </p:sld>
 </file>
 

--- a/演示文稿1.pptx
+++ b/演示文稿1.pptx
@@ -243,7 +243,7 @@
           <a:p>
             <a:fld id="{3061FC46-4A4A-054B-8F30-7B28FA2F0C74}" type="datetimeFigureOut">
               <a:rPr kumimoji="1" lang="zh-CN" altLang="en-US" smtClean="0"/>
-              <a:t>16/3/28</a:t>
+              <a:t>16/4/12</a:t>
             </a:fld>
             <a:endParaRPr kumimoji="1" lang="zh-CN" altLang="en-US"/>
           </a:p>
@@ -413,7 +413,7 @@
           <a:p>
             <a:fld id="{3061FC46-4A4A-054B-8F30-7B28FA2F0C74}" type="datetimeFigureOut">
               <a:rPr kumimoji="1" lang="zh-CN" altLang="en-US" smtClean="0"/>
-              <a:t>16/3/28</a:t>
+              <a:t>16/4/12</a:t>
             </a:fld>
             <a:endParaRPr kumimoji="1" lang="zh-CN" altLang="en-US"/>
           </a:p>
@@ -593,7 +593,7 @@
           <a:p>
             <a:fld id="{3061FC46-4A4A-054B-8F30-7B28FA2F0C74}" type="datetimeFigureOut">
               <a:rPr kumimoji="1" lang="zh-CN" altLang="en-US" smtClean="0"/>
-              <a:t>16/3/28</a:t>
+              <a:t>16/4/12</a:t>
             </a:fld>
             <a:endParaRPr kumimoji="1" lang="zh-CN" altLang="en-US"/>
           </a:p>
@@ -763,7 +763,7 @@
           <a:p>
             <a:fld id="{3061FC46-4A4A-054B-8F30-7B28FA2F0C74}" type="datetimeFigureOut">
               <a:rPr kumimoji="1" lang="zh-CN" altLang="en-US" smtClean="0"/>
-              <a:t>16/3/28</a:t>
+              <a:t>16/4/12</a:t>
             </a:fld>
             <a:endParaRPr kumimoji="1" lang="zh-CN" altLang="en-US"/>
           </a:p>
@@ -1009,7 +1009,7 @@
           <a:p>
             <a:fld id="{3061FC46-4A4A-054B-8F30-7B28FA2F0C74}" type="datetimeFigureOut">
               <a:rPr kumimoji="1" lang="zh-CN" altLang="en-US" smtClean="0"/>
-              <a:t>16/3/28</a:t>
+              <a:t>16/4/12</a:t>
             </a:fld>
             <a:endParaRPr kumimoji="1" lang="zh-CN" altLang="en-US"/>
           </a:p>
@@ -1241,7 +1241,7 @@
           <a:p>
             <a:fld id="{3061FC46-4A4A-054B-8F30-7B28FA2F0C74}" type="datetimeFigureOut">
               <a:rPr kumimoji="1" lang="zh-CN" altLang="en-US" smtClean="0"/>
-              <a:t>16/3/28</a:t>
+              <a:t>16/4/12</a:t>
             </a:fld>
             <a:endParaRPr kumimoji="1" lang="zh-CN" altLang="en-US"/>
           </a:p>
@@ -1608,7 +1608,7 @@
           <a:p>
             <a:fld id="{3061FC46-4A4A-054B-8F30-7B28FA2F0C74}" type="datetimeFigureOut">
               <a:rPr kumimoji="1" lang="zh-CN" altLang="en-US" smtClean="0"/>
-              <a:t>16/3/28</a:t>
+              <a:t>16/4/12</a:t>
             </a:fld>
             <a:endParaRPr kumimoji="1" lang="zh-CN" altLang="en-US"/>
           </a:p>
@@ -1726,7 +1726,7 @@
           <a:p>
             <a:fld id="{3061FC46-4A4A-054B-8F30-7B28FA2F0C74}" type="datetimeFigureOut">
               <a:rPr kumimoji="1" lang="zh-CN" altLang="en-US" smtClean="0"/>
-              <a:t>16/3/28</a:t>
+              <a:t>16/4/12</a:t>
             </a:fld>
             <a:endParaRPr kumimoji="1" lang="zh-CN" altLang="en-US"/>
           </a:p>
@@ -1821,7 +1821,7 @@
           <a:p>
             <a:fld id="{3061FC46-4A4A-054B-8F30-7B28FA2F0C74}" type="datetimeFigureOut">
               <a:rPr kumimoji="1" lang="zh-CN" altLang="en-US" smtClean="0"/>
-              <a:t>16/3/28</a:t>
+              <a:t>16/4/12</a:t>
             </a:fld>
             <a:endParaRPr kumimoji="1" lang="zh-CN" altLang="en-US"/>
           </a:p>
@@ -2098,7 +2098,7 @@
           <a:p>
             <a:fld id="{3061FC46-4A4A-054B-8F30-7B28FA2F0C74}" type="datetimeFigureOut">
               <a:rPr kumimoji="1" lang="zh-CN" altLang="en-US" smtClean="0"/>
-              <a:t>16/3/28</a:t>
+              <a:t>16/4/12</a:t>
             </a:fld>
             <a:endParaRPr kumimoji="1" lang="zh-CN" altLang="en-US"/>
           </a:p>
@@ -2351,7 +2351,7 @@
           <a:p>
             <a:fld id="{3061FC46-4A4A-054B-8F30-7B28FA2F0C74}" type="datetimeFigureOut">
               <a:rPr kumimoji="1" lang="zh-CN" altLang="en-US" smtClean="0"/>
-              <a:t>16/3/28</a:t>
+              <a:t>16/4/12</a:t>
             </a:fld>
             <a:endParaRPr kumimoji="1" lang="zh-CN" altLang="en-US"/>
           </a:p>
@@ -2564,7 +2564,7 @@
           <a:p>
             <a:fld id="{3061FC46-4A4A-054B-8F30-7B28FA2F0C74}" type="datetimeFigureOut">
               <a:rPr kumimoji="1" lang="zh-CN" altLang="en-US" smtClean="0"/>
-              <a:t>16/3/28</a:t>
+              <a:t>16/4/12</a:t>
             </a:fld>
             <a:endParaRPr kumimoji="1" lang="zh-CN" altLang="en-US"/>
           </a:p>
